--- a/Fase 3/Evidencias Grupales/Presentación Final del proyecto (Español).pptx
+++ b/Fase 3/Evidencias Grupales/Presentación Final del proyecto (Español).pptx
@@ -5,7 +5,7 @@
     <p:sldMasterId id="2147483648" r:id="rId1"/>
   </p:sldMasterIdLst>
   <p:notesMasterIdLst>
-    <p:notesMasterId r:id="rId21"/>
+    <p:notesMasterId r:id="rId22"/>
   </p:notesMasterIdLst>
   <p:sldIdLst>
     <p:sldId id="273" r:id="rId2"/>
@@ -27,6 +27,7 @@
     <p:sldId id="274" r:id="rId18"/>
     <p:sldId id="275" r:id="rId19"/>
     <p:sldId id="276" r:id="rId20"/>
+    <p:sldId id="277" r:id="rId21"/>
   </p:sldIdLst>
   <p:sldSz cx="9144000" cy="5143500" type="screen16x9"/>
   <p:notesSz cx="5143500" cy="9144000"/>
@@ -4935,6 +4936,144 @@
         </p:txBody>
       </p:sp>
     </p:spTree>
+  </p:cSld>
+  <p:clrMapOvr>
+    <a:masterClrMapping/>
+  </p:clrMapOvr>
+</p:sld>
+</file>
+
+<file path=ppt/slides/slide20.xml><?xml version="1.0" encoding="utf-8"?>
+<p:sld xmlns:a="http://schemas.openxmlformats.org/drawingml/2006/main" xmlns:r="http://schemas.openxmlformats.org/officeDocument/2006/relationships" xmlns:p="http://schemas.openxmlformats.org/presentationml/2006/main" show="0">
+  <p:cSld>
+    <p:spTree>
+      <p:nvGrpSpPr>
+        <p:cNvPr id="1" name=""/>
+        <p:cNvGrpSpPr/>
+        <p:nvPr/>
+      </p:nvGrpSpPr>
+      <p:grpSpPr>
+        <a:xfrm>
+          <a:off x="0" y="0"/>
+          <a:ext cx="0" cy="0"/>
+          <a:chOff x="0" y="0"/>
+          <a:chExt cx="0" cy="0"/>
+        </a:xfrm>
+      </p:grpSpPr>
+      <p:pic>
+        <p:nvPicPr>
+          <p:cNvPr id="3" name="Imagen 2">
+            <a:extLst>
+              <a:ext uri="{FF2B5EF4-FFF2-40B4-BE49-F238E27FC236}">
+                <a16:creationId xmlns:a16="http://schemas.microsoft.com/office/drawing/2014/main" id="{66361D5A-2C1A-4291-9CB0-31C030B3BB5B}"/>
+              </a:ext>
+            </a:extLst>
+          </p:cNvPr>
+          <p:cNvPicPr>
+            <a:picLocks noChangeAspect="1"/>
+          </p:cNvPicPr>
+          <p:nvPr/>
+        </p:nvPicPr>
+        <p:blipFill>
+          <a:blip r:embed="rId2"/>
+          <a:stretch>
+            <a:fillRect/>
+          </a:stretch>
+        </p:blipFill>
+        <p:spPr>
+          <a:xfrm>
+            <a:off x="0" y="0"/>
+            <a:ext cx="9144000" cy="5143500"/>
+          </a:xfrm>
+          <a:prstGeom prst="rect">
+            <a:avLst/>
+          </a:prstGeom>
+        </p:spPr>
+      </p:pic>
+      <p:pic>
+        <p:nvPicPr>
+          <p:cNvPr id="4" name="Imagen 3">
+            <a:extLst>
+              <a:ext uri="{FF2B5EF4-FFF2-40B4-BE49-F238E27FC236}">
+                <a16:creationId xmlns:a16="http://schemas.microsoft.com/office/drawing/2014/main" id="{F40D3A75-BE89-4AC5-8CB5-4E5953F1B909}"/>
+              </a:ext>
+            </a:extLst>
+          </p:cNvPr>
+          <p:cNvPicPr>
+            <a:picLocks noChangeAspect="1"/>
+          </p:cNvPicPr>
+          <p:nvPr/>
+        </p:nvPicPr>
+        <p:blipFill>
+          <a:blip r:embed="rId3"/>
+          <a:stretch>
+            <a:fillRect/>
+          </a:stretch>
+        </p:blipFill>
+        <p:spPr>
+          <a:xfrm>
+            <a:off x="7879978" y="144634"/>
+            <a:ext cx="1075765" cy="241894"/>
+          </a:xfrm>
+          <a:prstGeom prst="rect">
+            <a:avLst/>
+          </a:prstGeom>
+        </p:spPr>
+      </p:pic>
+      <p:sp>
+        <p:nvSpPr>
+          <p:cNvPr id="5" name="CuadroTexto 4">
+            <a:extLst>
+              <a:ext uri="{FF2B5EF4-FFF2-40B4-BE49-F238E27FC236}">
+                <a16:creationId xmlns:a16="http://schemas.microsoft.com/office/drawing/2014/main" id="{D1211E52-09F3-487F-BC7A-14DD484B2108}"/>
+              </a:ext>
+            </a:extLst>
+          </p:cNvPr>
+          <p:cNvSpPr txBox="1"/>
+          <p:nvPr/>
+        </p:nvSpPr>
+        <p:spPr>
+          <a:xfrm>
+            <a:off x="60510" y="86519"/>
+            <a:ext cx="1071127" cy="246221"/>
+          </a:xfrm>
+          <a:prstGeom prst="rect">
+            <a:avLst/>
+          </a:prstGeom>
+          <a:noFill/>
+        </p:spPr>
+        <p:txBody>
+          <a:bodyPr wrap="none" rtlCol="0">
+            <a:spAutoFit/>
+          </a:bodyPr>
+          <a:lstStyle/>
+          <a:p>
+            <a:r>
+              <a:rPr lang="es-CL" sz="1000" dirty="0">
+                <a:solidFill>
+                  <a:schemeClr val="bg1">
+                    <a:lumMod val="75000"/>
+                  </a:schemeClr>
+                </a:solidFill>
+              </a:rPr>
+              <a:t>Vitality Connect</a:t>
+            </a:r>
+            <a:endParaRPr lang="es-MX" sz="1000" dirty="0">
+              <a:solidFill>
+                <a:schemeClr val="bg1">
+                  <a:lumMod val="75000"/>
+                </a:schemeClr>
+              </a:solidFill>
+            </a:endParaRPr>
+          </a:p>
+        </p:txBody>
+      </p:sp>
+    </p:spTree>
+    <p:extLst>
+      <p:ext uri="{BB962C8B-B14F-4D97-AF65-F5344CB8AC3E}">
+        <p14:creationId xmlns:p14="http://schemas.microsoft.com/office/powerpoint/2010/main" val="4201295813"/>
+      </p:ext>
+    </p:extLst>
   </p:cSld>
   <p:clrMapOvr>
     <a:masterClrMapping/>

--- a/Fase 3/Evidencias Grupales/Presentación Final del proyecto (Español).pptx
+++ b/Fase 3/Evidencias Grupales/Presentación Final del proyecto (Español).pptx
@@ -4836,7 +4836,13 @@
       </p:grpSpPr>
       <p:pic>
         <p:nvPicPr>
-          <p:cNvPr id="2" name="Object 1" descr="/tmp/beautiful_ai_exports/cffed336-74ee-478a-abce-4daafdea4796.jpg"/>
+          <p:cNvPr id="6" name="Imagen 5">
+            <a:extLst>
+              <a:ext uri="{FF2B5EF4-FFF2-40B4-BE49-F238E27FC236}">
+                <a16:creationId xmlns:a16="http://schemas.microsoft.com/office/drawing/2014/main" id="{FD5BF1BB-D38F-4DCF-917B-95F6BEBA53CA}"/>
+              </a:ext>
+            </a:extLst>
+          </p:cNvPr>
           <p:cNvPicPr>
             <a:picLocks noChangeAspect="1"/>
           </p:cNvPicPr>
@@ -4844,8 +4850,9 @@
         </p:nvPicPr>
         <p:blipFill>
           <a:blip r:embed="rId3"/>
-          <a:srcRect/>
-          <a:stretch/>
+          <a:stretch>
+            <a:fillRect/>
+          </a:stretch>
         </p:blipFill>
         <p:spPr>
           <a:xfrm>
@@ -4859,10 +4866,10 @@
       </p:pic>
       <p:pic>
         <p:nvPicPr>
-          <p:cNvPr id="3" name="Imagen 2">
+          <p:cNvPr id="7" name="Imagen 6">
             <a:extLst>
               <a:ext uri="{FF2B5EF4-FFF2-40B4-BE49-F238E27FC236}">
-                <a16:creationId xmlns:a16="http://schemas.microsoft.com/office/drawing/2014/main" id="{38188F3A-A02B-46EA-AB88-46087814ED99}"/>
+                <a16:creationId xmlns:a16="http://schemas.microsoft.com/office/drawing/2014/main" id="{18937115-7B8E-4ECD-A1DF-60EEE07BD480}"/>
               </a:ext>
             </a:extLst>
           </p:cNvPr>
@@ -4889,10 +4896,10 @@
       </p:pic>
       <p:sp>
         <p:nvSpPr>
-          <p:cNvPr id="5" name="CuadroTexto 4">
+          <p:cNvPr id="8" name="CuadroTexto 7">
             <a:extLst>
               <a:ext uri="{FF2B5EF4-FFF2-40B4-BE49-F238E27FC236}">
-                <a16:creationId xmlns:a16="http://schemas.microsoft.com/office/drawing/2014/main" id="{9E92DF37-5809-44E9-B50F-E86162EF4356}"/>
+                <a16:creationId xmlns:a16="http://schemas.microsoft.com/office/drawing/2014/main" id="{174CD603-966E-42D1-BC87-D3C70D1F8B00}"/>
               </a:ext>
             </a:extLst>
           </p:cNvPr>

--- a/Fase 3/Evidencias Grupales/Presentación Final del proyecto (Español).pptx
+++ b/Fase 3/Evidencias Grupales/Presentación Final del proyecto (Español).pptx
@@ -5,7 +5,7 @@
     <p:sldMasterId id="2147483648" r:id="rId1"/>
   </p:sldMasterIdLst>
   <p:notesMasterIdLst>
-    <p:notesMasterId r:id="rId22"/>
+    <p:notesMasterId r:id="rId23"/>
   </p:notesMasterIdLst>
   <p:sldIdLst>
     <p:sldId id="273" r:id="rId2"/>
@@ -28,6 +28,7 @@
     <p:sldId id="275" r:id="rId19"/>
     <p:sldId id="276" r:id="rId20"/>
     <p:sldId id="277" r:id="rId21"/>
+    <p:sldId id="278" r:id="rId22"/>
   </p:sldIdLst>
   <p:sldSz cx="9144000" cy="5143500" type="screen16x9"/>
   <p:notesSz cx="5143500" cy="9144000"/>
@@ -1938,106 +1939,6 @@
           </a:blipFill>
         </p:spPr>
       </p:sp>
-      <p:grpSp>
-        <p:nvGrpSpPr>
-          <p:cNvPr id="4" name="Group 4"/>
-          <p:cNvGrpSpPr/>
-          <p:nvPr/>
-        </p:nvGrpSpPr>
-        <p:grpSpPr>
-          <a:xfrm>
-            <a:off x="2140242" y="3394483"/>
-            <a:ext cx="4863517" cy="24257"/>
-            <a:chOff x="0" y="0"/>
-            <a:chExt cx="12969377" cy="64685"/>
-          </a:xfrm>
-        </p:grpSpPr>
-        <p:sp>
-          <p:nvSpPr>
-            <p:cNvPr id="5" name="Freeform 5"/>
-            <p:cNvSpPr/>
-            <p:nvPr/>
-          </p:nvSpPr>
-          <p:spPr>
-            <a:xfrm>
-              <a:off x="0" y="-127"/>
-              <a:ext cx="12968986" cy="64770"/>
-            </a:xfrm>
-            <a:custGeom>
-              <a:avLst/>
-              <a:gdLst/>
-              <a:ahLst/>
-              <a:cxnLst/>
-              <a:rect l="l" t="t" r="r" b="b"/>
-              <a:pathLst>
-                <a:path w="12968986" h="64770">
-                  <a:moveTo>
-                    <a:pt x="12936601" y="127"/>
-                  </a:moveTo>
-                  <a:lnTo>
-                    <a:pt x="32258" y="127"/>
-                  </a:lnTo>
-                  <a:lnTo>
-                    <a:pt x="19685" y="2667"/>
-                  </a:lnTo>
-                  <a:lnTo>
-                    <a:pt x="9525" y="9652"/>
-                  </a:lnTo>
-                  <a:lnTo>
-                    <a:pt x="2540" y="19812"/>
-                  </a:lnTo>
-                  <a:lnTo>
-                    <a:pt x="0" y="32385"/>
-                  </a:lnTo>
-                  <a:lnTo>
-                    <a:pt x="2540" y="44958"/>
-                  </a:lnTo>
-                  <a:lnTo>
-                    <a:pt x="9525" y="55245"/>
-                  </a:lnTo>
-                  <a:lnTo>
-                    <a:pt x="19812" y="62230"/>
-                  </a:lnTo>
-                  <a:lnTo>
-                    <a:pt x="32385" y="64770"/>
-                  </a:lnTo>
-                  <a:lnTo>
-                    <a:pt x="12936601" y="64770"/>
-                  </a:lnTo>
-                  <a:lnTo>
-                    <a:pt x="12949174" y="62230"/>
-                  </a:lnTo>
-                  <a:lnTo>
-                    <a:pt x="12959461" y="55245"/>
-                  </a:lnTo>
-                  <a:lnTo>
-                    <a:pt x="12966446" y="44958"/>
-                  </a:lnTo>
-                  <a:lnTo>
-                    <a:pt x="12968986" y="32385"/>
-                  </a:lnTo>
-                  <a:lnTo>
-                    <a:pt x="12966446" y="19812"/>
-                  </a:lnTo>
-                  <a:lnTo>
-                    <a:pt x="12959461" y="9525"/>
-                  </a:lnTo>
-                  <a:lnTo>
-                    <a:pt x="12949174" y="2540"/>
-                  </a:lnTo>
-                  <a:lnTo>
-                    <a:pt x="12936601" y="0"/>
-                  </a:lnTo>
-                  <a:close/>
-                </a:path>
-              </a:pathLst>
-            </a:custGeom>
-            <a:solidFill>
-              <a:srgbClr val="FFFFFF"/>
-            </a:solidFill>
-          </p:spPr>
-        </p:sp>
-      </p:grpSp>
       <p:sp>
         <p:nvSpPr>
           <p:cNvPr id="6" name="Freeform 6"/>
@@ -2144,7 +2045,7 @@
         </p:nvGrpSpPr>
         <p:grpSpPr>
           <a:xfrm>
-            <a:off x="1103282" y="592005"/>
+            <a:off x="1103282" y="1381779"/>
             <a:ext cx="6937437" cy="1543050"/>
             <a:chOff x="0" y="0"/>
             <a:chExt cx="3654288" cy="812800"/>
@@ -2272,7 +2173,7 @@
         </p:nvGrpSpPr>
         <p:grpSpPr>
           <a:xfrm>
-            <a:off x="2997655" y="2202207"/>
+            <a:off x="2997655" y="2991981"/>
             <a:ext cx="3148692" cy="475530"/>
             <a:chOff x="0" y="0"/>
             <a:chExt cx="1658570" cy="250485"/>
@@ -2400,7 +2301,7 @@
         </p:nvSpPr>
         <p:spPr>
           <a:xfrm>
-            <a:off x="1124616" y="506280"/>
+            <a:off x="1124616" y="1296054"/>
             <a:ext cx="6915345" cy="1588576"/>
           </a:xfrm>
           <a:prstGeom prst="rect">
@@ -2466,7 +2367,7 @@
         </p:nvSpPr>
         <p:spPr>
           <a:xfrm>
-            <a:off x="2997653" y="2194386"/>
+            <a:off x="2997653" y="2984160"/>
             <a:ext cx="3148694" cy="432298"/>
           </a:xfrm>
           <a:prstGeom prst="rect">
@@ -2498,69 +2399,6 @@
                 <a:sym typeface="Open Sans Bold"/>
               </a:rPr>
               <a:t>Presentación final</a:t>
-            </a:r>
-          </a:p>
-        </p:txBody>
-      </p:sp>
-      <p:sp>
-        <p:nvSpPr>
-          <p:cNvPr id="16" name="TextBox 16"/>
-          <p:cNvSpPr txBox="1"/>
-          <p:nvPr/>
-        </p:nvSpPr>
-        <p:spPr>
-          <a:xfrm>
-            <a:off x="2283545" y="2737575"/>
-            <a:ext cx="4576912" cy="594906"/>
-          </a:xfrm>
-          <a:prstGeom prst="rect">
-            <a:avLst/>
-          </a:prstGeom>
-        </p:spPr>
-        <p:txBody>
-          <a:bodyPr lIns="0" tIns="0" rIns="0" bIns="0" rtlCol="0" anchor="t">
-            <a:spAutoFit/>
-          </a:bodyPr>
-          <a:lstStyle/>
-          <a:p>
-            <a:pPr>
-              <a:lnSpc>
-                <a:spcPts val="2380"/>
-              </a:lnSpc>
-            </a:pPr>
-            <a:r>
-              <a:rPr lang="en-US" sz="1700">
-                <a:solidFill>
-                  <a:srgbClr val="FFFFFF"/>
-                </a:solidFill>
-                <a:latin typeface="Open Sans"/>
-                <a:ea typeface="Open Sans"/>
-                <a:cs typeface="Open Sans"/>
-                <a:sym typeface="Open Sans"/>
-              </a:rPr>
-              <a:t>Integrantes: Esteban Núñez, Ianfranco Vargas</a:t>
-            </a:r>
-          </a:p>
-          <a:p>
-            <a:pPr>
-              <a:lnSpc>
-                <a:spcPts val="2380"/>
-              </a:lnSpc>
-              <a:spcBef>
-                <a:spcPct val="0"/>
-              </a:spcBef>
-            </a:pPr>
-            <a:r>
-              <a:rPr lang="en-US" sz="1700">
-                <a:solidFill>
-                  <a:srgbClr val="FFFFFF"/>
-                </a:solidFill>
-                <a:latin typeface="Open Sans"/>
-                <a:ea typeface="Open Sans"/>
-                <a:cs typeface="Open Sans"/>
-                <a:sym typeface="Open Sans"/>
-              </a:rPr>
-              <a:t>Docente: Guillermo Pinto</a:t>
             </a:r>
           </a:p>
         </p:txBody>
@@ -5079,6 +4917,185 @@
     <p:extLst>
       <p:ext uri="{BB962C8B-B14F-4D97-AF65-F5344CB8AC3E}">
         <p14:creationId xmlns:p14="http://schemas.microsoft.com/office/powerpoint/2010/main" val="4201295813"/>
+      </p:ext>
+    </p:extLst>
+  </p:cSld>
+  <p:clrMapOvr>
+    <a:masterClrMapping/>
+  </p:clrMapOvr>
+</p:sld>
+</file>
+
+<file path=ppt/slides/slide21.xml><?xml version="1.0" encoding="utf-8"?>
+<p:sld xmlns:a="http://schemas.openxmlformats.org/drawingml/2006/main" xmlns:r="http://schemas.openxmlformats.org/officeDocument/2006/relationships" xmlns:p="http://schemas.openxmlformats.org/presentationml/2006/main" show="0">
+  <p:cSld>
+    <p:spTree>
+      <p:nvGrpSpPr>
+        <p:cNvPr id="1" name=""/>
+        <p:cNvGrpSpPr/>
+        <p:nvPr/>
+      </p:nvGrpSpPr>
+      <p:grpSpPr>
+        <a:xfrm>
+          <a:off x="0" y="0"/>
+          <a:ext cx="0" cy="0"/>
+          <a:chOff x="0" y="0"/>
+          <a:chExt cx="0" cy="0"/>
+        </a:xfrm>
+      </p:grpSpPr>
+      <p:pic>
+        <p:nvPicPr>
+          <p:cNvPr id="4" name="Imagen 3">
+            <a:extLst>
+              <a:ext uri="{FF2B5EF4-FFF2-40B4-BE49-F238E27FC236}">
+                <a16:creationId xmlns:a16="http://schemas.microsoft.com/office/drawing/2014/main" id="{F40D3A75-BE89-4AC5-8CB5-4E5953F1B909}"/>
+              </a:ext>
+            </a:extLst>
+          </p:cNvPr>
+          <p:cNvPicPr>
+            <a:picLocks noChangeAspect="1"/>
+          </p:cNvPicPr>
+          <p:nvPr/>
+        </p:nvPicPr>
+        <p:blipFill>
+          <a:blip r:embed="rId2"/>
+          <a:stretch>
+            <a:fillRect/>
+          </a:stretch>
+        </p:blipFill>
+        <p:spPr>
+          <a:xfrm>
+            <a:off x="7879978" y="144634"/>
+            <a:ext cx="1075765" cy="241894"/>
+          </a:xfrm>
+          <a:prstGeom prst="rect">
+            <a:avLst/>
+          </a:prstGeom>
+        </p:spPr>
+      </p:pic>
+      <p:sp>
+        <p:nvSpPr>
+          <p:cNvPr id="5" name="CuadroTexto 4">
+            <a:extLst>
+              <a:ext uri="{FF2B5EF4-FFF2-40B4-BE49-F238E27FC236}">
+                <a16:creationId xmlns:a16="http://schemas.microsoft.com/office/drawing/2014/main" id="{D1211E52-09F3-487F-BC7A-14DD484B2108}"/>
+              </a:ext>
+            </a:extLst>
+          </p:cNvPr>
+          <p:cNvSpPr txBox="1"/>
+          <p:nvPr/>
+        </p:nvSpPr>
+        <p:spPr>
+          <a:xfrm>
+            <a:off x="60510" y="86519"/>
+            <a:ext cx="1071127" cy="246221"/>
+          </a:xfrm>
+          <a:prstGeom prst="rect">
+            <a:avLst/>
+          </a:prstGeom>
+          <a:noFill/>
+        </p:spPr>
+        <p:txBody>
+          <a:bodyPr wrap="none" rtlCol="0">
+            <a:spAutoFit/>
+          </a:bodyPr>
+          <a:lstStyle/>
+          <a:p>
+            <a:r>
+              <a:rPr lang="es-CL" sz="1000" dirty="0">
+                <a:solidFill>
+                  <a:schemeClr val="bg1">
+                    <a:lumMod val="75000"/>
+                  </a:schemeClr>
+                </a:solidFill>
+              </a:rPr>
+              <a:t>Vitality Connect</a:t>
+            </a:r>
+            <a:endParaRPr lang="es-MX" sz="1000" dirty="0">
+              <a:solidFill>
+                <a:schemeClr val="bg1">
+                  <a:lumMod val="75000"/>
+                </a:schemeClr>
+              </a:solidFill>
+            </a:endParaRPr>
+          </a:p>
+        </p:txBody>
+      </p:sp>
+      <p:pic>
+        <p:nvPicPr>
+          <p:cNvPr id="6" name="Imagen 5">
+            <a:extLst>
+              <a:ext uri="{FF2B5EF4-FFF2-40B4-BE49-F238E27FC236}">
+                <a16:creationId xmlns:a16="http://schemas.microsoft.com/office/drawing/2014/main" id="{E98936D8-CEA7-491C-80D9-AF04240107FD}"/>
+              </a:ext>
+            </a:extLst>
+          </p:cNvPr>
+          <p:cNvPicPr>
+            <a:picLocks noChangeAspect="1"/>
+          </p:cNvPicPr>
+          <p:nvPr/>
+        </p:nvPicPr>
+        <p:blipFill>
+          <a:blip r:embed="rId3"/>
+          <a:stretch>
+            <a:fillRect/>
+          </a:stretch>
+        </p:blipFill>
+        <p:spPr>
+          <a:xfrm>
+            <a:off x="593451" y="1343023"/>
+            <a:ext cx="7957097" cy="2296561"/>
+          </a:xfrm>
+          <a:prstGeom prst="rect">
+            <a:avLst/>
+          </a:prstGeom>
+        </p:spPr>
+      </p:pic>
+      <p:sp>
+        <p:nvSpPr>
+          <p:cNvPr id="7" name="CuadroTexto 6">
+            <a:extLst>
+              <a:ext uri="{FF2B5EF4-FFF2-40B4-BE49-F238E27FC236}">
+                <a16:creationId xmlns:a16="http://schemas.microsoft.com/office/drawing/2014/main" id="{90451FC6-B6F3-4F46-BBB7-43E0E4B4472F}"/>
+              </a:ext>
+            </a:extLst>
+          </p:cNvPr>
+          <p:cNvSpPr txBox="1"/>
+          <p:nvPr/>
+        </p:nvSpPr>
+        <p:spPr>
+          <a:xfrm>
+            <a:off x="3043843" y="209629"/>
+            <a:ext cx="3056312" cy="1015663"/>
+          </a:xfrm>
+          <a:prstGeom prst="rect">
+            <a:avLst/>
+          </a:prstGeom>
+          <a:noFill/>
+        </p:spPr>
+        <p:txBody>
+          <a:bodyPr wrap="square" rtlCol="0">
+            <a:spAutoFit/>
+          </a:bodyPr>
+          <a:lstStyle/>
+          <a:p>
+            <a:pPr algn="ctr"/>
+            <a:r>
+              <a:rPr lang="es-CL" sz="3000" b="1" dirty="0">
+                <a:latin typeface="+mj-lt"/>
+              </a:rPr>
+              <a:t>Presupuesto detallado</a:t>
+            </a:r>
+            <a:endParaRPr lang="es-MX" sz="3000" b="1" dirty="0">
+              <a:latin typeface="+mj-lt"/>
+            </a:endParaRPr>
+          </a:p>
+        </p:txBody>
+      </p:sp>
+    </p:spTree>
+    <p:extLst>
+      <p:ext uri="{BB962C8B-B14F-4D97-AF65-F5344CB8AC3E}">
+        <p14:creationId xmlns:p14="http://schemas.microsoft.com/office/powerpoint/2010/main" val="3571694248"/>
       </p:ext>
     </p:extLst>
   </p:cSld>
